--- a/diagrams/uml/classDiagrams/associations/multiplicity/adminStudent.pptx
+++ b/diagrams/uml/classDiagrams/associations/multiplicity/adminStudent.pptx
@@ -104,6 +104,22 @@
       </a:defRPr>
     </a:lvl9pPr>
   </p:defaultTextStyle>
+  <p:extLst>
+    <p:ext uri="{EFAFB233-063F-42B5-8137-9DF3F51BA10A}">
+      <p15:sldGuideLst xmlns:p15="http://schemas.microsoft.com/office/powerpoint/2012/main">
+        <p15:guide id="1" orient="horz" pos="2160">
+          <p15:clr>
+            <a:srgbClr val="A4A3A4"/>
+          </p15:clr>
+        </p15:guide>
+        <p15:guide id="2" pos="2880">
+          <p15:clr>
+            <a:srgbClr val="A4A3A4"/>
+          </p15:clr>
+        </p15:guide>
+      </p15:sldGuideLst>
+    </p:ext>
+  </p:extLst>
 </p:presentation>
 </file>
 
@@ -288,7 +304,7 @@
           <a:p>
             <a:fld id="{A0F86979-30DA-49EE-A740-32EBA6D2B7DE}" type="datetimeFigureOut">
               <a:rPr lang="en-SG" smtClean="0"/>
-              <a:t>2/6/2017</a:t>
+              <a:t>30/8/2017</a:t>
             </a:fld>
             <a:endParaRPr lang="en-SG"/>
           </a:p>
@@ -458,7 +474,7 @@
           <a:p>
             <a:fld id="{A0F86979-30DA-49EE-A740-32EBA6D2B7DE}" type="datetimeFigureOut">
               <a:rPr lang="en-SG" smtClean="0"/>
-              <a:t>2/6/2017</a:t>
+              <a:t>30/8/2017</a:t>
             </a:fld>
             <a:endParaRPr lang="en-SG"/>
           </a:p>
@@ -638,7 +654,7 @@
           <a:p>
             <a:fld id="{A0F86979-30DA-49EE-A740-32EBA6D2B7DE}" type="datetimeFigureOut">
               <a:rPr lang="en-SG" smtClean="0"/>
-              <a:t>2/6/2017</a:t>
+              <a:t>30/8/2017</a:t>
             </a:fld>
             <a:endParaRPr lang="en-SG"/>
           </a:p>
@@ -808,7 +824,7 @@
           <a:p>
             <a:fld id="{A0F86979-30DA-49EE-A740-32EBA6D2B7DE}" type="datetimeFigureOut">
               <a:rPr lang="en-SG" smtClean="0"/>
-              <a:t>2/6/2017</a:t>
+              <a:t>30/8/2017</a:t>
             </a:fld>
             <a:endParaRPr lang="en-SG"/>
           </a:p>
@@ -1054,7 +1070,7 @@
           <a:p>
             <a:fld id="{A0F86979-30DA-49EE-A740-32EBA6D2B7DE}" type="datetimeFigureOut">
               <a:rPr lang="en-SG" smtClean="0"/>
-              <a:t>2/6/2017</a:t>
+              <a:t>30/8/2017</a:t>
             </a:fld>
             <a:endParaRPr lang="en-SG"/>
           </a:p>
@@ -1342,7 +1358,7 @@
           <a:p>
             <a:fld id="{A0F86979-30DA-49EE-A740-32EBA6D2B7DE}" type="datetimeFigureOut">
               <a:rPr lang="en-SG" smtClean="0"/>
-              <a:t>2/6/2017</a:t>
+              <a:t>30/8/2017</a:t>
             </a:fld>
             <a:endParaRPr lang="en-SG"/>
           </a:p>
@@ -1764,7 +1780,7 @@
           <a:p>
             <a:fld id="{A0F86979-30DA-49EE-A740-32EBA6D2B7DE}" type="datetimeFigureOut">
               <a:rPr lang="en-SG" smtClean="0"/>
-              <a:t>2/6/2017</a:t>
+              <a:t>30/8/2017</a:t>
             </a:fld>
             <a:endParaRPr lang="en-SG"/>
           </a:p>
@@ -1882,7 +1898,7 @@
           <a:p>
             <a:fld id="{A0F86979-30DA-49EE-A740-32EBA6D2B7DE}" type="datetimeFigureOut">
               <a:rPr lang="en-SG" smtClean="0"/>
-              <a:t>2/6/2017</a:t>
+              <a:t>30/8/2017</a:t>
             </a:fld>
             <a:endParaRPr lang="en-SG"/>
           </a:p>
@@ -1977,7 +1993,7 @@
           <a:p>
             <a:fld id="{A0F86979-30DA-49EE-A740-32EBA6D2B7DE}" type="datetimeFigureOut">
               <a:rPr lang="en-SG" smtClean="0"/>
-              <a:t>2/6/2017</a:t>
+              <a:t>30/8/2017</a:t>
             </a:fld>
             <a:endParaRPr lang="en-SG"/>
           </a:p>
@@ -2254,7 +2270,7 @@
           <a:p>
             <a:fld id="{A0F86979-30DA-49EE-A740-32EBA6D2B7DE}" type="datetimeFigureOut">
               <a:rPr lang="en-SG" smtClean="0"/>
-              <a:t>2/6/2017</a:t>
+              <a:t>30/8/2017</a:t>
             </a:fld>
             <a:endParaRPr lang="en-SG"/>
           </a:p>
@@ -2507,7 +2523,7 @@
           <a:p>
             <a:fld id="{A0F86979-30DA-49EE-A740-32EBA6D2B7DE}" type="datetimeFigureOut">
               <a:rPr lang="en-SG" smtClean="0"/>
-              <a:t>2/6/2017</a:t>
+              <a:t>30/8/2017</a:t>
             </a:fld>
             <a:endParaRPr lang="en-SG"/>
           </a:p>
@@ -2720,7 +2736,7 @@
           <a:p>
             <a:fld id="{A0F86979-30DA-49EE-A740-32EBA6D2B7DE}" type="datetimeFigureOut">
               <a:rPr lang="en-SG" smtClean="0"/>
-              <a:t>2/6/2017</a:t>
+              <a:t>30/8/2017</a:t>
             </a:fld>
             <a:endParaRPr lang="en-SG"/>
           </a:p>
@@ -3315,116 +3331,6 @@
                 <a:srgbClr val="FF0000"/>
               </a:solidFill>
             </a:endParaRPr>
-          </a:p>
-        </p:txBody>
-      </p:sp>
-      <p:sp>
-        <p:nvSpPr>
-          <p:cNvPr id="75" name="Line Callout 2 74"/>
-          <p:cNvSpPr/>
-          <p:nvPr/>
-        </p:nvSpPr>
-        <p:spPr>
-          <a:xfrm>
-            <a:off x="4114800" y="4092148"/>
-            <a:ext cx="4419600" cy="646331"/>
-          </a:xfrm>
-          <a:prstGeom prst="borderCallout2">
-            <a:avLst>
-              <a:gd name="adj1" fmla="val 17509"/>
-              <a:gd name="adj2" fmla="val 86"/>
-              <a:gd name="adj3" fmla="val 13111"/>
-              <a:gd name="adj4" fmla="val -32906"/>
-              <a:gd name="adj5" fmla="val -22692"/>
-              <a:gd name="adj6" fmla="val -53352"/>
-            </a:avLst>
-          </a:prstGeom>
-          <a:solidFill>
-            <a:schemeClr val="accent1">
-              <a:lumMod val="20000"/>
-              <a:lumOff val="80000"/>
-            </a:schemeClr>
-          </a:solidFill>
-          <a:ln w="9525">
-            <a:solidFill>
-              <a:schemeClr val="accent1"/>
-            </a:solidFill>
-            <a:prstDash val="sysDash"/>
-            <a:headEnd type="none" w="med" len="med"/>
-            <a:tailEnd type="arrow" w="med" len="med"/>
-          </a:ln>
-        </p:spPr>
-        <p:style>
-          <a:lnRef idx="2">
-            <a:schemeClr val="accent1">
-              <a:shade val="50000"/>
-            </a:schemeClr>
-          </a:lnRef>
-          <a:fillRef idx="1">
-            <a:schemeClr val="accent1"/>
-          </a:fillRef>
-          <a:effectRef idx="0">
-            <a:schemeClr val="accent1"/>
-          </a:effectRef>
-          <a:fontRef idx="minor">
-            <a:schemeClr val="lt1"/>
-          </a:fontRef>
-        </p:style>
-        <p:txBody>
-          <a:bodyPr wrap="square" rtlCol="0" anchor="ctr">
-            <a:spAutoFit/>
-          </a:bodyPr>
-          <a:lstStyle/>
-          <a:p>
-            <a:pPr algn="ctr"/>
-            <a:r>
-              <a:rPr lang="en-US" dirty="0" smtClean="0">
-                <a:solidFill>
-                  <a:schemeClr val="tx1"/>
-                </a:solidFill>
-              </a:rPr>
-              <a:t>Each </a:t>
-            </a:r>
-            <a:r>
-              <a:rPr lang="en-US" dirty="0" smtClean="0">
-                <a:solidFill>
-                  <a:srgbClr val="C00000"/>
-                </a:solidFill>
-              </a:rPr>
-              <a:t>Student</a:t>
-            </a:r>
-            <a:r>
-              <a:rPr lang="en-US" dirty="0" smtClean="0">
-                <a:solidFill>
-                  <a:schemeClr val="tx1"/>
-                </a:solidFill>
-              </a:rPr>
-              <a:t> must be associated to </a:t>
-            </a:r>
-            <a:r>
-              <a:rPr lang="en-US" u="sng" dirty="0" smtClean="0">
-                <a:solidFill>
-                  <a:schemeClr val="tx1"/>
-                </a:solidFill>
-              </a:rPr>
-              <a:t>only one </a:t>
-            </a:r>
-            <a:r>
-              <a:rPr lang="en-US" dirty="0" smtClean="0">
-                <a:solidFill>
-                  <a:srgbClr val="C00000"/>
-                </a:solidFill>
-              </a:rPr>
-              <a:t>Admin</a:t>
-            </a:r>
-            <a:r>
-              <a:rPr lang="en-US" dirty="0" smtClean="0">
-                <a:solidFill>
-                  <a:schemeClr val="tx1"/>
-                </a:solidFill>
-              </a:rPr>
-              <a:t> at all times</a:t>
-            </a:r>
           </a:p>
         </p:txBody>
       </p:sp>
